--- a/SMP1 Prezentace-BotanoAdviser.pptx
+++ b/SMP1 Prezentace-BotanoAdviser.pptx
@@ -114,6 +114,11 @@
       </a:defRPr>
     </a:lvl9pPr>
   </p:defaultTextStyle>
+  <p:extLst>
+    <p:ext uri="{EFAFB233-063F-42B5-8137-9DF3F51BA10A}">
+      <p15:sldGuideLst xmlns:p15="http://schemas.microsoft.com/office/powerpoint/2012/main"/>
+    </p:ext>
+  </p:extLst>
 </p:presentation>
 </file>
 
@@ -5503,8 +5508,8 @@
         </p:blipFill>
         <p:spPr>
           <a:xfrm>
-            <a:off x="4038600" y="1575073"/>
-            <a:ext cx="7188199" cy="3704465"/>
+            <a:off x="3857530" y="1364126"/>
+            <a:ext cx="8013424" cy="4129748"/>
           </a:xfrm>
           <a:prstGeom prst="rect">
             <a:avLst/>
@@ -5778,8 +5783,8 @@
         </p:blipFill>
         <p:spPr>
           <a:xfrm>
-            <a:off x="4098172" y="1601690"/>
-            <a:ext cx="6589566" cy="4351338"/>
+            <a:off x="4153299" y="927793"/>
+            <a:ext cx="7575540" cy="5002414"/>
           </a:xfrm>
           <a:prstGeom prst="rect">
             <a:avLst/>
